--- a/02_day/list/02_day.pptx
+++ b/02_day/list/02_day.pptx
@@ -1,6 +1,6 @@
 
 <file path=ppt/presentation.xml><?xml version="1.0" encoding="utf-8"?>
-<p:presentation xmlns:a="http://schemas.openxmlformats.org/drawingml/2006/main" xmlns:r="http://schemas.openxmlformats.org/officeDocument/2006/relationships" xmlns:p="http://schemas.openxmlformats.org/presentationml/2006/main" saveSubsetFonts="1" bookmarkIdSeed="8">
+<p:presentation xmlns:a="http://schemas.openxmlformats.org/drawingml/2006/main" xmlns:r="http://schemas.openxmlformats.org/officeDocument/2006/relationships" xmlns:p="http://schemas.openxmlformats.org/presentationml/2006/main" saveSubsetFonts="1" bookmarkIdSeed="10">
   <p:sldMasterIdLst>
     <p:sldMasterId id="2147483648" r:id="rId1"/>
   </p:sldMasterIdLst>
@@ -29,6 +29,9 @@
     <p:sldId id="344" r:id="rId23"/>
     <p:sldId id="345" r:id="rId24"/>
     <p:sldId id="346" r:id="rId25"/>
+    <p:sldId id="347" r:id="rId26"/>
+    <p:sldId id="348" r:id="rId27"/>
+    <p:sldId id="349" r:id="rId28"/>
   </p:sldIdLst>
   <p:sldSz cx="9144000" cy="6858000" type="screen4x3"/>
   <p:notesSz cx="6858000" cy="9144000"/>
@@ -14030,34 +14033,42 @@
           </a:p>
           <a:p>
             <a:r>
-              <a:rPr lang="en-US" altLang="ko-KR" sz="2000" b="1"/>
-              <a:t>- </a:t>
-            </a:r>
-            <a:r>
               <a:rPr lang="en-US" altLang="ko-KR" sz="2000" b="1">
                 <a:solidFill>
                   <a:srgbClr val="FF0000"/>
                 </a:solidFill>
               </a:rPr>
-              <a:t>Ge</a:t>
-            </a:r>
-            <a:r>
-              <a:rPr lang="en-US" altLang="ko-KR" sz="2000" b="1"/>
-              <a:t>neric linked</a:t>
-            </a:r>
-            <a:r>
-              <a:rPr lang="ko-KR" altLang="en-US" sz="2000" b="1"/>
+              <a:t>- Generic linked</a:t>
+            </a:r>
+            <a:r>
+              <a:rPr lang="ko-KR" altLang="en-US" sz="2000" b="1">
+                <a:solidFill>
+                  <a:srgbClr val="FF0000"/>
+                </a:solidFill>
+              </a:rPr>
               <a:t> </a:t>
             </a:r>
             <a:r>
-              <a:rPr lang="en-US" altLang="ko-KR" sz="2000" b="1"/>
+              <a:rPr lang="en-US" altLang="ko-KR" sz="2000" b="1">
+                <a:solidFill>
+                  <a:srgbClr val="FF0000"/>
+                </a:solidFill>
+              </a:rPr>
               <a:t>list</a:t>
             </a:r>
             <a:r>
-              <a:rPr lang="ko-KR" altLang="en-US" sz="2000" b="1"/>
+              <a:rPr lang="ko-KR" altLang="en-US" sz="2000" b="1">
+                <a:solidFill>
+                  <a:srgbClr val="FF0000"/>
+                </a:solidFill>
+              </a:rPr>
               <a:t> </a:t>
             </a:r>
-            <a:endParaRPr lang="en-US" altLang="ko-KR" sz="2000" b="1"/>
+            <a:endParaRPr lang="en-US" altLang="ko-KR" sz="2000" b="1">
+              <a:solidFill>
+                <a:srgbClr val="FF0000"/>
+              </a:solidFill>
+            </a:endParaRPr>
           </a:p>
           <a:p>
             <a:r>
@@ -19955,6 +19966,1566 @@
     <p:extLst>
       <p:ext uri="{BB962C8B-B14F-4D97-AF65-F5344CB8AC3E}">
         <p14:creationId xmlns:p14="http://schemas.microsoft.com/office/powerpoint/2010/main" val="454597182"/>
+      </p:ext>
+    </p:extLst>
+  </p:cSld>
+  <p:clrMapOvr>
+    <a:masterClrMapping/>
+  </p:clrMapOvr>
+</p:sld>
+</file>
+
+<file path=ppt/slides/slide25.xml><?xml version="1.0" encoding="utf-8"?>
+<p:sld xmlns:a="http://schemas.openxmlformats.org/drawingml/2006/main" xmlns:r="http://schemas.openxmlformats.org/officeDocument/2006/relationships" xmlns:p="http://schemas.openxmlformats.org/presentationml/2006/main">
+  <p:cSld>
+    <p:spTree>
+      <p:nvGrpSpPr>
+        <p:cNvPr id="1" name=""/>
+        <p:cNvGrpSpPr/>
+        <p:nvPr/>
+      </p:nvGrpSpPr>
+      <p:grpSpPr>
+        <a:xfrm>
+          <a:off x="0" y="0"/>
+          <a:ext cx="0" cy="0"/>
+          <a:chOff x="0" y="0"/>
+          <a:chExt cx="0" cy="0"/>
+        </a:xfrm>
+      </p:grpSpPr>
+      <p:sp>
+        <p:nvSpPr>
+          <p:cNvPr id="40" name="직사각형 39">
+            <a:extLst>
+              <a:ext uri="{FF2B5EF4-FFF2-40B4-BE49-F238E27FC236}">
+                <a16:creationId xmlns:a16="http://schemas.microsoft.com/office/drawing/2014/main" id="{13FFE26A-6DD2-46AE-A359-6DC992E1BF74}"/>
+              </a:ext>
+            </a:extLst>
+          </p:cNvPr>
+          <p:cNvSpPr/>
+          <p:nvPr/>
+        </p:nvSpPr>
+        <p:spPr>
+          <a:xfrm>
+            <a:off x="246263" y="260648"/>
+            <a:ext cx="1368152" cy="360040"/>
+          </a:xfrm>
+          <a:prstGeom prst="rect">
+            <a:avLst/>
+          </a:prstGeom>
+          <a:solidFill>
+            <a:srgbClr val="FFC000"/>
+          </a:solidFill>
+          <a:ln w="9525"/>
+        </p:spPr>
+        <p:style>
+          <a:lnRef idx="2">
+            <a:schemeClr val="accent1">
+              <a:shade val="50000"/>
+            </a:schemeClr>
+          </a:lnRef>
+          <a:fillRef idx="1">
+            <a:schemeClr val="accent1"/>
+          </a:fillRef>
+          <a:effectRef idx="0">
+            <a:schemeClr val="accent1"/>
+          </a:effectRef>
+          <a:fontRef idx="minor">
+            <a:schemeClr val="lt1"/>
+          </a:fontRef>
+        </p:style>
+        <p:txBody>
+          <a:bodyPr rot="0" spcFirstLastPara="0" vertOverflow="overflow" horzOverflow="overflow" vert="horz" wrap="square" lIns="91440" tIns="45720" rIns="91440" bIns="45720" numCol="1" spcCol="0" rtlCol="0" fromWordArt="0" anchor="ctr" anchorCtr="0" forceAA="0" compatLnSpc="1">
+            <a:prstTxWarp prst="textNoShape">
+              <a:avLst/>
+            </a:prstTxWarp>
+            <a:noAutofit/>
+          </a:bodyPr>
+          <a:lstStyle/>
+          <a:p>
+            <a:pPr algn="ctr"/>
+            <a:r>
+              <a:rPr lang="en-US" altLang="ko-KR" sz="2000">
+                <a:solidFill>
+                  <a:schemeClr val="tx1"/>
+                </a:solidFill>
+                <a:latin typeface="Consolas" pitchFamily="49" charset="0"/>
+                <a:cs typeface="Consolas" pitchFamily="49" charset="0"/>
+              </a:rPr>
+              <a:t>"</a:t>
+            </a:r>
+            <a:r>
+              <a:rPr lang="ko-KR" altLang="en-US" sz="2000">
+                <a:solidFill>
+                  <a:schemeClr val="tx1"/>
+                </a:solidFill>
+                <a:latin typeface="Consolas" pitchFamily="49" charset="0"/>
+                <a:cs typeface="Consolas" pitchFamily="49" charset="0"/>
+              </a:rPr>
+              <a:t>임꺽정</a:t>
+            </a:r>
+            <a:r>
+              <a:rPr lang="en-US" altLang="ko-KR" sz="2000">
+                <a:solidFill>
+                  <a:schemeClr val="tx1"/>
+                </a:solidFill>
+                <a:latin typeface="Consolas" pitchFamily="49" charset="0"/>
+                <a:cs typeface="Consolas" pitchFamily="49" charset="0"/>
+              </a:rPr>
+              <a:t>"</a:t>
+            </a:r>
+            <a:endParaRPr lang="ko-KR" altLang="en-US" sz="2000">
+              <a:solidFill>
+                <a:schemeClr val="tx1"/>
+              </a:solidFill>
+              <a:latin typeface="Consolas" pitchFamily="49" charset="0"/>
+              <a:cs typeface="Consolas" pitchFamily="49" charset="0"/>
+            </a:endParaRPr>
+          </a:p>
+        </p:txBody>
+      </p:sp>
+      <p:sp>
+        <p:nvSpPr>
+          <p:cNvPr id="41" name="직사각형 40">
+            <a:extLst>
+              <a:ext uri="{FF2B5EF4-FFF2-40B4-BE49-F238E27FC236}">
+                <a16:creationId xmlns:a16="http://schemas.microsoft.com/office/drawing/2014/main" id="{17D90E41-4CA0-4698-8ABA-CB0641C64377}"/>
+              </a:ext>
+            </a:extLst>
+          </p:cNvPr>
+          <p:cNvSpPr/>
+          <p:nvPr/>
+        </p:nvSpPr>
+        <p:spPr>
+          <a:xfrm>
+            <a:off x="246263" y="620688"/>
+            <a:ext cx="1368152" cy="360040"/>
+          </a:xfrm>
+          <a:prstGeom prst="rect">
+            <a:avLst/>
+          </a:prstGeom>
+          <a:solidFill>
+            <a:srgbClr val="FFFF00"/>
+          </a:solidFill>
+          <a:ln w="9525"/>
+        </p:spPr>
+        <p:style>
+          <a:lnRef idx="2">
+            <a:schemeClr val="accent1">
+              <a:shade val="50000"/>
+            </a:schemeClr>
+          </a:lnRef>
+          <a:fillRef idx="1">
+            <a:schemeClr val="accent1"/>
+          </a:fillRef>
+          <a:effectRef idx="0">
+            <a:schemeClr val="accent1"/>
+          </a:effectRef>
+          <a:fontRef idx="minor">
+            <a:schemeClr val="lt1"/>
+          </a:fontRef>
+        </p:style>
+        <p:txBody>
+          <a:bodyPr rot="0" spcFirstLastPara="0" vertOverflow="overflow" horzOverflow="overflow" vert="horz" wrap="square" lIns="91440" tIns="45720" rIns="91440" bIns="45720" numCol="1" spcCol="0" rtlCol="0" fromWordArt="0" anchor="ctr" anchorCtr="0" forceAA="0" compatLnSpc="1">
+            <a:prstTxWarp prst="textNoShape">
+              <a:avLst/>
+            </a:prstTxWarp>
+            <a:noAutofit/>
+          </a:bodyPr>
+          <a:lstStyle/>
+          <a:p>
+            <a:pPr algn="ctr"/>
+            <a:endParaRPr lang="ko-KR" altLang="en-US" sz="2000">
+              <a:solidFill>
+                <a:schemeClr val="tx1"/>
+              </a:solidFill>
+              <a:latin typeface="Consolas" pitchFamily="49" charset="0"/>
+              <a:cs typeface="Consolas" pitchFamily="49" charset="0"/>
+            </a:endParaRPr>
+          </a:p>
+        </p:txBody>
+      </p:sp>
+      <p:sp>
+        <p:nvSpPr>
+          <p:cNvPr id="42" name="직사각형 41">
+            <a:extLst>
+              <a:ext uri="{FF2B5EF4-FFF2-40B4-BE49-F238E27FC236}">
+                <a16:creationId xmlns:a16="http://schemas.microsoft.com/office/drawing/2014/main" id="{FAD63F95-4328-47EC-ACB2-6E85007EB85B}"/>
+              </a:ext>
+            </a:extLst>
+          </p:cNvPr>
+          <p:cNvSpPr/>
+          <p:nvPr/>
+        </p:nvSpPr>
+        <p:spPr>
+          <a:xfrm>
+            <a:off x="246263" y="980728"/>
+            <a:ext cx="1368152" cy="360040"/>
+          </a:xfrm>
+          <a:prstGeom prst="rect">
+            <a:avLst/>
+          </a:prstGeom>
+          <a:solidFill>
+            <a:srgbClr val="FFFF00"/>
+          </a:solidFill>
+          <a:ln w="9525"/>
+        </p:spPr>
+        <p:style>
+          <a:lnRef idx="2">
+            <a:schemeClr val="accent1">
+              <a:shade val="50000"/>
+            </a:schemeClr>
+          </a:lnRef>
+          <a:fillRef idx="1">
+            <a:schemeClr val="accent1"/>
+          </a:fillRef>
+          <a:effectRef idx="0">
+            <a:schemeClr val="accent1"/>
+          </a:effectRef>
+          <a:fontRef idx="minor">
+            <a:schemeClr val="lt1"/>
+          </a:fontRef>
+        </p:style>
+        <p:txBody>
+          <a:bodyPr rot="0" spcFirstLastPara="0" vertOverflow="overflow" horzOverflow="overflow" vert="horz" wrap="square" lIns="91440" tIns="45720" rIns="91440" bIns="45720" numCol="1" spcCol="0" rtlCol="0" fromWordArt="0" anchor="ctr" anchorCtr="0" forceAA="0" compatLnSpc="1">
+            <a:prstTxWarp prst="textNoShape">
+              <a:avLst/>
+            </a:prstTxWarp>
+            <a:noAutofit/>
+          </a:bodyPr>
+          <a:lstStyle/>
+          <a:p>
+            <a:pPr algn="ctr"/>
+            <a:endParaRPr lang="ko-KR" altLang="en-US" sz="2000">
+              <a:solidFill>
+                <a:schemeClr val="tx1"/>
+              </a:solidFill>
+              <a:latin typeface="Consolas" pitchFamily="49" charset="0"/>
+              <a:cs typeface="Consolas" pitchFamily="49" charset="0"/>
+            </a:endParaRPr>
+          </a:p>
+        </p:txBody>
+      </p:sp>
+      <p:cxnSp>
+        <p:nvCxnSpPr>
+          <p:cNvPr id="50" name="직선 화살표 연결선 49">
+            <a:extLst>
+              <a:ext uri="{FF2B5EF4-FFF2-40B4-BE49-F238E27FC236}">
+                <a16:creationId xmlns:a16="http://schemas.microsoft.com/office/drawing/2014/main" id="{4C1D0355-F0D9-4FED-83EC-2B5C6DF3B6B5}"/>
+              </a:ext>
+            </a:extLst>
+          </p:cNvPr>
+          <p:cNvCxnSpPr>
+            <a:cxnSpLocks/>
+          </p:cNvCxnSpPr>
+          <p:nvPr/>
+        </p:nvCxnSpPr>
+        <p:spPr>
+          <a:xfrm flipH="1">
+            <a:off x="1614415" y="626836"/>
+            <a:ext cx="1008112" cy="0"/>
+          </a:xfrm>
+          <a:prstGeom prst="straightConnector1">
+            <a:avLst/>
+          </a:prstGeom>
+          <a:ln w="28575">
+            <a:solidFill>
+              <a:schemeClr val="tx1"/>
+            </a:solidFill>
+            <a:tailEnd type="triangle"/>
+          </a:ln>
+        </p:spPr>
+        <p:style>
+          <a:lnRef idx="1">
+            <a:schemeClr val="accent1"/>
+          </a:lnRef>
+          <a:fillRef idx="0">
+            <a:schemeClr val="accent1"/>
+          </a:fillRef>
+          <a:effectRef idx="0">
+            <a:schemeClr val="accent1"/>
+          </a:effectRef>
+          <a:fontRef idx="minor">
+            <a:schemeClr val="tx1"/>
+          </a:fontRef>
+        </p:style>
+      </p:cxnSp>
+      <p:cxnSp>
+        <p:nvCxnSpPr>
+          <p:cNvPr id="52" name="직선 화살표 연결선 51">
+            <a:extLst>
+              <a:ext uri="{FF2B5EF4-FFF2-40B4-BE49-F238E27FC236}">
+                <a16:creationId xmlns:a16="http://schemas.microsoft.com/office/drawing/2014/main" id="{BB2C3BC7-B021-4610-A1B7-04FD1EEEFC19}"/>
+              </a:ext>
+            </a:extLst>
+          </p:cNvPr>
+          <p:cNvCxnSpPr>
+            <a:cxnSpLocks/>
+          </p:cNvCxnSpPr>
+          <p:nvPr/>
+        </p:nvCxnSpPr>
+        <p:spPr>
+          <a:xfrm flipH="1">
+            <a:off x="1614415" y="260648"/>
+            <a:ext cx="1008112" cy="0"/>
+          </a:xfrm>
+          <a:prstGeom prst="straightConnector1">
+            <a:avLst/>
+          </a:prstGeom>
+          <a:ln w="28575">
+            <a:solidFill>
+              <a:schemeClr val="tx1"/>
+            </a:solidFill>
+            <a:tailEnd type="triangle"/>
+          </a:ln>
+        </p:spPr>
+        <p:style>
+          <a:lnRef idx="1">
+            <a:schemeClr val="accent1"/>
+          </a:lnRef>
+          <a:fillRef idx="0">
+            <a:schemeClr val="accent1"/>
+          </a:fillRef>
+          <a:effectRef idx="0">
+            <a:schemeClr val="accent1"/>
+          </a:effectRef>
+          <a:fontRef idx="minor">
+            <a:schemeClr val="tx1"/>
+          </a:fontRef>
+        </p:style>
+      </p:cxnSp>
+      <p:cxnSp>
+        <p:nvCxnSpPr>
+          <p:cNvPr id="54" name="직선 화살표 연결선 53">
+            <a:extLst>
+              <a:ext uri="{FF2B5EF4-FFF2-40B4-BE49-F238E27FC236}">
+                <a16:creationId xmlns:a16="http://schemas.microsoft.com/office/drawing/2014/main" id="{D4E92BF8-CD9F-4904-A041-E6DB1DF8FD8A}"/>
+              </a:ext>
+            </a:extLst>
+          </p:cNvPr>
+          <p:cNvCxnSpPr/>
+          <p:nvPr/>
+        </p:nvCxnSpPr>
+        <p:spPr>
+          <a:xfrm flipV="1">
+            <a:off x="1974455" y="276529"/>
+            <a:ext cx="0" cy="356003"/>
+          </a:xfrm>
+          <a:prstGeom prst="straightConnector1">
+            <a:avLst/>
+          </a:prstGeom>
+          <a:ln>
+            <a:solidFill>
+              <a:srgbClr val="FF0000"/>
+            </a:solidFill>
+            <a:tailEnd type="triangle"/>
+          </a:ln>
+        </p:spPr>
+        <p:style>
+          <a:lnRef idx="1">
+            <a:schemeClr val="accent1"/>
+          </a:lnRef>
+          <a:fillRef idx="0">
+            <a:schemeClr val="accent1"/>
+          </a:fillRef>
+          <a:effectRef idx="0">
+            <a:schemeClr val="accent1"/>
+          </a:effectRef>
+          <a:fontRef idx="minor">
+            <a:schemeClr val="tx1"/>
+          </a:fontRef>
+        </p:style>
+      </p:cxnSp>
+      <p:sp>
+        <p:nvSpPr>
+          <p:cNvPr id="55" name="TextBox 54">
+            <a:extLst>
+              <a:ext uri="{FF2B5EF4-FFF2-40B4-BE49-F238E27FC236}">
+                <a16:creationId xmlns:a16="http://schemas.microsoft.com/office/drawing/2014/main" id="{68D0D4C5-CAA9-43BF-A137-F5F6F4419C46}"/>
+              </a:ext>
+            </a:extLst>
+          </p:cNvPr>
+          <p:cNvSpPr txBox="1"/>
+          <p:nvPr/>
+        </p:nvSpPr>
+        <p:spPr>
+          <a:xfrm>
+            <a:off x="2102307" y="228473"/>
+            <a:ext cx="466794" cy="400110"/>
+          </a:xfrm>
+          <a:prstGeom prst="rect">
+            <a:avLst/>
+          </a:prstGeom>
+          <a:noFill/>
+        </p:spPr>
+        <p:txBody>
+          <a:bodyPr wrap="none" rtlCol="0">
+            <a:spAutoFit/>
+          </a:bodyPr>
+          <a:lstStyle/>
+          <a:p>
+            <a:r>
+              <a:rPr lang="en-US" altLang="ko-KR" sz="2000">
+                <a:latin typeface="Consolas" pitchFamily="49" charset="0"/>
+                <a:cs typeface="Consolas" pitchFamily="49" charset="0"/>
+              </a:rPr>
+              <a:t>20</a:t>
+            </a:r>
+            <a:endParaRPr lang="ko-KR" altLang="en-US" sz="2000">
+              <a:latin typeface="Consolas" pitchFamily="49" charset="0"/>
+              <a:cs typeface="Consolas" pitchFamily="49" charset="0"/>
+            </a:endParaRPr>
+          </a:p>
+        </p:txBody>
+      </p:sp>
+      <p:sp>
+        <p:nvSpPr>
+          <p:cNvPr id="56" name="TextBox 55">
+            <a:extLst>
+              <a:ext uri="{FF2B5EF4-FFF2-40B4-BE49-F238E27FC236}">
+                <a16:creationId xmlns:a16="http://schemas.microsoft.com/office/drawing/2014/main" id="{5257FDFF-DD4D-4202-B30F-479DBC95452A}"/>
+              </a:ext>
+            </a:extLst>
+          </p:cNvPr>
+          <p:cNvSpPr txBox="1"/>
+          <p:nvPr/>
+        </p:nvSpPr>
+        <p:spPr>
+          <a:xfrm>
+            <a:off x="2687545" y="416979"/>
+            <a:ext cx="748923" cy="400110"/>
+          </a:xfrm>
+          <a:prstGeom prst="rect">
+            <a:avLst/>
+          </a:prstGeom>
+          <a:noFill/>
+        </p:spPr>
+        <p:txBody>
+          <a:bodyPr wrap="none" rtlCol="0">
+            <a:spAutoFit/>
+          </a:bodyPr>
+          <a:lstStyle/>
+          <a:p>
+            <a:r>
+              <a:rPr lang="en-US" altLang="ko-KR" sz="2000">
+                <a:latin typeface="Consolas" pitchFamily="49" charset="0"/>
+                <a:cs typeface="Consolas" pitchFamily="49" charset="0"/>
+              </a:rPr>
+              <a:t>temp</a:t>
+            </a:r>
+            <a:endParaRPr lang="ko-KR" altLang="en-US" sz="2000">
+              <a:latin typeface="Consolas" pitchFamily="49" charset="0"/>
+              <a:cs typeface="Consolas" pitchFamily="49" charset="0"/>
+            </a:endParaRPr>
+          </a:p>
+        </p:txBody>
+      </p:sp>
+      <p:sp>
+        <p:nvSpPr>
+          <p:cNvPr id="57" name="TextBox 56">
+            <a:extLst>
+              <a:ext uri="{FF2B5EF4-FFF2-40B4-BE49-F238E27FC236}">
+                <a16:creationId xmlns:a16="http://schemas.microsoft.com/office/drawing/2014/main" id="{4FF6E40D-E1EC-452D-9670-E84A855A1724}"/>
+              </a:ext>
+            </a:extLst>
+          </p:cNvPr>
+          <p:cNvSpPr txBox="1"/>
+          <p:nvPr/>
+        </p:nvSpPr>
+        <p:spPr>
+          <a:xfrm>
+            <a:off x="2723168" y="60593"/>
+            <a:ext cx="325730" cy="400110"/>
+          </a:xfrm>
+          <a:prstGeom prst="rect">
+            <a:avLst/>
+          </a:prstGeom>
+          <a:noFill/>
+        </p:spPr>
+        <p:txBody>
+          <a:bodyPr wrap="none" rtlCol="0">
+            <a:spAutoFit/>
+          </a:bodyPr>
+          <a:lstStyle/>
+          <a:p>
+            <a:r>
+              <a:rPr lang="en-US" altLang="ko-KR" sz="2000">
+                <a:latin typeface="Consolas" pitchFamily="49" charset="0"/>
+                <a:cs typeface="Consolas" pitchFamily="49" charset="0"/>
+              </a:rPr>
+              <a:t>s</a:t>
+            </a:r>
+            <a:endParaRPr lang="ko-KR" altLang="en-US" sz="2000">
+              <a:latin typeface="Consolas" pitchFamily="49" charset="0"/>
+              <a:cs typeface="Consolas" pitchFamily="49" charset="0"/>
+            </a:endParaRPr>
+          </a:p>
+        </p:txBody>
+      </p:sp>
+      <p:sp>
+        <p:nvSpPr>
+          <p:cNvPr id="58" name="TextBox 57">
+            <a:extLst>
+              <a:ext uri="{FF2B5EF4-FFF2-40B4-BE49-F238E27FC236}">
+                <a16:creationId xmlns:a16="http://schemas.microsoft.com/office/drawing/2014/main" id="{D378E441-4DED-4E93-9194-F09AA45F1B6E}"/>
+              </a:ext>
+            </a:extLst>
+          </p:cNvPr>
+          <p:cNvSpPr txBox="1"/>
+          <p:nvPr/>
+        </p:nvSpPr>
+        <p:spPr>
+          <a:xfrm>
+            <a:off x="179512" y="3140968"/>
+            <a:ext cx="9212778" cy="400110"/>
+          </a:xfrm>
+          <a:prstGeom prst="rect">
+            <a:avLst/>
+          </a:prstGeom>
+          <a:noFill/>
+        </p:spPr>
+        <p:txBody>
+          <a:bodyPr wrap="none" rtlCol="0">
+            <a:spAutoFit/>
+          </a:bodyPr>
+          <a:lstStyle/>
+          <a:p>
+            <a:r>
+              <a:rPr lang="en-US" altLang="ko-KR" sz="2000">
+                <a:latin typeface="Consolas" pitchFamily="49" charset="0"/>
+                <a:cs typeface="Consolas" pitchFamily="49" charset="0"/>
+              </a:rPr>
+              <a:t>s = (SAWON*)((char*)temp - (unsigned long)&amp;((SAWON*)0)-&gt;list1 );</a:t>
+            </a:r>
+            <a:endParaRPr lang="ko-KR" altLang="en-US" sz="2000">
+              <a:latin typeface="Consolas" pitchFamily="49" charset="0"/>
+              <a:cs typeface="Consolas" pitchFamily="49" charset="0"/>
+            </a:endParaRPr>
+          </a:p>
+        </p:txBody>
+      </p:sp>
+      <p:sp>
+        <p:nvSpPr>
+          <p:cNvPr id="59" name="TextBox 58">
+            <a:extLst>
+              <a:ext uri="{FF2B5EF4-FFF2-40B4-BE49-F238E27FC236}">
+                <a16:creationId xmlns:a16="http://schemas.microsoft.com/office/drawing/2014/main" id="{F57AA911-C9A7-4E89-B64E-15056E2DA74C}"/>
+              </a:ext>
+            </a:extLst>
+          </p:cNvPr>
+          <p:cNvSpPr txBox="1"/>
+          <p:nvPr/>
+        </p:nvSpPr>
+        <p:spPr>
+          <a:xfrm>
+            <a:off x="3554912" y="20523"/>
+            <a:ext cx="325730" cy="400110"/>
+          </a:xfrm>
+          <a:prstGeom prst="rect">
+            <a:avLst/>
+          </a:prstGeom>
+          <a:noFill/>
+        </p:spPr>
+        <p:txBody>
+          <a:bodyPr wrap="none" rtlCol="0">
+            <a:spAutoFit/>
+          </a:bodyPr>
+          <a:lstStyle/>
+          <a:p>
+            <a:r>
+              <a:rPr lang="en-US" altLang="ko-KR" sz="2000">
+                <a:latin typeface="Consolas" pitchFamily="49" charset="0"/>
+                <a:cs typeface="Consolas" pitchFamily="49" charset="0"/>
+              </a:rPr>
+              <a:t>0</a:t>
+            </a:r>
+            <a:endParaRPr lang="ko-KR" altLang="en-US" sz="2000">
+              <a:latin typeface="Consolas" pitchFamily="49" charset="0"/>
+              <a:cs typeface="Consolas" pitchFamily="49" charset="0"/>
+            </a:endParaRPr>
+          </a:p>
+        </p:txBody>
+      </p:sp>
+      <p:sp>
+        <p:nvSpPr>
+          <p:cNvPr id="60" name="TextBox 59">
+            <a:extLst>
+              <a:ext uri="{FF2B5EF4-FFF2-40B4-BE49-F238E27FC236}">
+                <a16:creationId xmlns:a16="http://schemas.microsoft.com/office/drawing/2014/main" id="{04DA1F03-8626-4A4A-AB97-FADF32A7C0B2}"/>
+              </a:ext>
+            </a:extLst>
+          </p:cNvPr>
+          <p:cNvSpPr txBox="1"/>
+          <p:nvPr/>
+        </p:nvSpPr>
+        <p:spPr>
+          <a:xfrm>
+            <a:off x="3554912" y="1114529"/>
+            <a:ext cx="466794" cy="400110"/>
+          </a:xfrm>
+          <a:prstGeom prst="rect">
+            <a:avLst/>
+          </a:prstGeom>
+          <a:noFill/>
+        </p:spPr>
+        <p:txBody>
+          <a:bodyPr wrap="none" rtlCol="0">
+            <a:spAutoFit/>
+          </a:bodyPr>
+          <a:lstStyle/>
+          <a:p>
+            <a:r>
+              <a:rPr lang="en-US" altLang="ko-KR" sz="2000">
+                <a:latin typeface="Consolas" pitchFamily="49" charset="0"/>
+                <a:cs typeface="Consolas" pitchFamily="49" charset="0"/>
+              </a:rPr>
+              <a:t>28</a:t>
+            </a:r>
+            <a:endParaRPr lang="ko-KR" altLang="en-US" sz="2000">
+              <a:latin typeface="Consolas" pitchFamily="49" charset="0"/>
+              <a:cs typeface="Consolas" pitchFamily="49" charset="0"/>
+            </a:endParaRPr>
+          </a:p>
+        </p:txBody>
+      </p:sp>
+      <p:sp>
+        <p:nvSpPr>
+          <p:cNvPr id="24" name="TextBox 23">
+            <a:extLst>
+              <a:ext uri="{FF2B5EF4-FFF2-40B4-BE49-F238E27FC236}">
+                <a16:creationId xmlns:a16="http://schemas.microsoft.com/office/drawing/2014/main" id="{D8FD793B-FAA8-46EE-AEA1-B323A88D2A5F}"/>
+              </a:ext>
+            </a:extLst>
+          </p:cNvPr>
+          <p:cNvSpPr txBox="1"/>
+          <p:nvPr/>
+        </p:nvSpPr>
+        <p:spPr>
+          <a:xfrm>
+            <a:off x="4644008" y="398440"/>
+            <a:ext cx="4536504" cy="1938992"/>
+          </a:xfrm>
+          <a:prstGeom prst="rect">
+            <a:avLst/>
+          </a:prstGeom>
+          <a:noFill/>
+        </p:spPr>
+        <p:txBody>
+          <a:bodyPr wrap="square" rtlCol="0">
+            <a:spAutoFit/>
+          </a:bodyPr>
+          <a:lstStyle/>
+          <a:p>
+            <a:r>
+              <a:rPr lang="ko-KR" altLang="en-US" sz="2000">
+                <a:latin typeface="Consolas" pitchFamily="49" charset="0"/>
+                <a:cs typeface="Consolas" pitchFamily="49" charset="0"/>
+              </a:rPr>
+              <a:t>문제점 </a:t>
+            </a:r>
+            <a:r>
+              <a:rPr lang="en-US" altLang="ko-KR" sz="2000">
+                <a:latin typeface="Consolas" pitchFamily="49" charset="0"/>
+                <a:cs typeface="Consolas" pitchFamily="49" charset="0"/>
+              </a:rPr>
+              <a:t>: </a:t>
+            </a:r>
+          </a:p>
+          <a:p>
+            <a:r>
+              <a:rPr lang="en-US" altLang="ko-KR" sz="2000">
+                <a:latin typeface="Consolas" pitchFamily="49" charset="0"/>
+                <a:cs typeface="Consolas" pitchFamily="49" charset="0"/>
+              </a:rPr>
+              <a:t>  </a:t>
+            </a:r>
+            <a:r>
+              <a:rPr lang="ko-KR" altLang="en-US" sz="2000">
+                <a:latin typeface="Consolas" pitchFamily="49" charset="0"/>
+                <a:cs typeface="Consolas" pitchFamily="49" charset="0"/>
+              </a:rPr>
+              <a:t>하나의 </a:t>
+            </a:r>
+            <a:r>
+              <a:rPr lang="en-US" altLang="ko-KR" sz="2000">
+                <a:latin typeface="Consolas" pitchFamily="49" charset="0"/>
+                <a:cs typeface="Consolas" pitchFamily="49" charset="0"/>
+              </a:rPr>
+              <a:t>NODE</a:t>
+            </a:r>
+            <a:r>
+              <a:rPr lang="ko-KR" altLang="en-US" sz="2000">
+                <a:latin typeface="Consolas" pitchFamily="49" charset="0"/>
+                <a:cs typeface="Consolas" pitchFamily="49" charset="0"/>
+              </a:rPr>
+              <a:t>가 하나의 </a:t>
+            </a:r>
+            <a:r>
+              <a:rPr lang="en-US" altLang="ko-KR" sz="2000">
+                <a:latin typeface="Consolas" pitchFamily="49" charset="0"/>
+                <a:cs typeface="Consolas" pitchFamily="49" charset="0"/>
+              </a:rPr>
+              <a:t>list</a:t>
+            </a:r>
+            <a:r>
+              <a:rPr lang="ko-KR" altLang="en-US" sz="2000">
+                <a:latin typeface="Consolas" pitchFamily="49" charset="0"/>
+                <a:cs typeface="Consolas" pitchFamily="49" charset="0"/>
+              </a:rPr>
+              <a:t>에만</a:t>
+            </a:r>
+            <a:endParaRPr lang="en-US" altLang="ko-KR" sz="2000">
+              <a:latin typeface="Consolas" pitchFamily="49" charset="0"/>
+              <a:cs typeface="Consolas" pitchFamily="49" charset="0"/>
+            </a:endParaRPr>
+          </a:p>
+          <a:p>
+            <a:r>
+              <a:rPr lang="en-US" altLang="ko-KR" sz="2000">
+                <a:latin typeface="Consolas" pitchFamily="49" charset="0"/>
+                <a:cs typeface="Consolas" pitchFamily="49" charset="0"/>
+              </a:rPr>
+              <a:t>   </a:t>
+            </a:r>
+            <a:r>
+              <a:rPr lang="ko-KR" altLang="en-US" sz="2000">
+                <a:latin typeface="Consolas" pitchFamily="49" charset="0"/>
+                <a:cs typeface="Consolas" pitchFamily="49" charset="0"/>
+              </a:rPr>
+              <a:t>포함 가능하다</a:t>
+            </a:r>
+            <a:r>
+              <a:rPr lang="en-US" altLang="ko-KR" sz="2000">
+                <a:latin typeface="Consolas" pitchFamily="49" charset="0"/>
+                <a:cs typeface="Consolas" pitchFamily="49" charset="0"/>
+              </a:rPr>
+              <a:t>. </a:t>
+            </a:r>
+          </a:p>
+          <a:p>
+            <a:endParaRPr lang="en-US" altLang="ko-KR" sz="2000">
+              <a:latin typeface="Consolas" pitchFamily="49" charset="0"/>
+              <a:cs typeface="Consolas" pitchFamily="49" charset="0"/>
+            </a:endParaRPr>
+          </a:p>
+          <a:p>
+            <a:r>
+              <a:rPr lang="ko-KR" altLang="en-US" sz="2000">
+                <a:latin typeface="Consolas" pitchFamily="49" charset="0"/>
+                <a:cs typeface="Consolas" pitchFamily="49" charset="0"/>
+              </a:rPr>
+              <a:t>해결책 </a:t>
+            </a:r>
+            <a:r>
+              <a:rPr lang="en-US" altLang="ko-KR" sz="2000">
+                <a:latin typeface="Consolas" pitchFamily="49" charset="0"/>
+                <a:cs typeface="Consolas" pitchFamily="49" charset="0"/>
+              </a:rPr>
+              <a:t>: </a:t>
+            </a:r>
+          </a:p>
+          <a:p>
+            <a:r>
+              <a:rPr lang="en-US" altLang="ko-KR" sz="2000">
+                <a:latin typeface="Consolas" pitchFamily="49" charset="0"/>
+                <a:cs typeface="Consolas" pitchFamily="49" charset="0"/>
+              </a:rPr>
+              <a:t>  </a:t>
+            </a:r>
+            <a:r>
+              <a:rPr lang="ko-KR" altLang="en-US" sz="2000">
+                <a:latin typeface="Consolas" pitchFamily="49" charset="0"/>
+                <a:cs typeface="Consolas" pitchFamily="49" charset="0"/>
+              </a:rPr>
+              <a:t>구조체 멤버의 </a:t>
+            </a:r>
+            <a:r>
+              <a:rPr lang="en-US" altLang="ko-KR" sz="2000">
+                <a:latin typeface="Consolas" pitchFamily="49" charset="0"/>
+                <a:cs typeface="Consolas" pitchFamily="49" charset="0"/>
+              </a:rPr>
+              <a:t>offset</a:t>
+            </a:r>
+            <a:r>
+              <a:rPr lang="ko-KR" altLang="en-US" sz="2000">
+                <a:latin typeface="Consolas" pitchFamily="49" charset="0"/>
+                <a:cs typeface="Consolas" pitchFamily="49" charset="0"/>
+              </a:rPr>
+              <a:t>을 이용하자</a:t>
+            </a:r>
+            <a:r>
+              <a:rPr lang="en-US" altLang="ko-KR" sz="2000">
+                <a:latin typeface="Consolas" pitchFamily="49" charset="0"/>
+                <a:cs typeface="Consolas" pitchFamily="49" charset="0"/>
+              </a:rPr>
+              <a:t>. </a:t>
+            </a:r>
+            <a:endParaRPr lang="ko-KR" altLang="en-US" sz="2000">
+              <a:latin typeface="Consolas" pitchFamily="49" charset="0"/>
+              <a:cs typeface="Consolas" pitchFamily="49" charset="0"/>
+            </a:endParaRPr>
+          </a:p>
+        </p:txBody>
+      </p:sp>
+      <p:sp>
+        <p:nvSpPr>
+          <p:cNvPr id="25" name="TextBox 24">
+            <a:extLst>
+              <a:ext uri="{FF2B5EF4-FFF2-40B4-BE49-F238E27FC236}">
+                <a16:creationId xmlns:a16="http://schemas.microsoft.com/office/drawing/2014/main" id="{F9EEDB34-E043-4E43-8660-AFCBC999187A}"/>
+              </a:ext>
+            </a:extLst>
+          </p:cNvPr>
+          <p:cNvSpPr txBox="1"/>
+          <p:nvPr/>
+        </p:nvSpPr>
+        <p:spPr>
+          <a:xfrm>
+            <a:off x="1630572" y="760638"/>
+            <a:ext cx="889987" cy="400110"/>
+          </a:xfrm>
+          <a:prstGeom prst="rect">
+            <a:avLst/>
+          </a:prstGeom>
+          <a:noFill/>
+        </p:spPr>
+        <p:txBody>
+          <a:bodyPr wrap="none" rtlCol="0">
+            <a:spAutoFit/>
+          </a:bodyPr>
+          <a:lstStyle/>
+          <a:p>
+            <a:r>
+              <a:rPr lang="en-US" altLang="ko-KR" sz="2000">
+                <a:latin typeface="Consolas" pitchFamily="49" charset="0"/>
+                <a:cs typeface="Consolas" pitchFamily="49" charset="0"/>
+              </a:rPr>
+              <a:t>list1</a:t>
+            </a:r>
+            <a:endParaRPr lang="ko-KR" altLang="en-US" sz="2000">
+              <a:latin typeface="Consolas" pitchFamily="49" charset="0"/>
+              <a:cs typeface="Consolas" pitchFamily="49" charset="0"/>
+            </a:endParaRPr>
+          </a:p>
+        </p:txBody>
+      </p:sp>
+      <p:sp>
+        <p:nvSpPr>
+          <p:cNvPr id="26" name="직사각형 25">
+            <a:extLst>
+              <a:ext uri="{FF2B5EF4-FFF2-40B4-BE49-F238E27FC236}">
+                <a16:creationId xmlns:a16="http://schemas.microsoft.com/office/drawing/2014/main" id="{9242AF87-FE00-498B-81AB-3AC20A0DDA6B}"/>
+              </a:ext>
+            </a:extLst>
+          </p:cNvPr>
+          <p:cNvSpPr/>
+          <p:nvPr/>
+        </p:nvSpPr>
+        <p:spPr>
+          <a:xfrm>
+            <a:off x="246263" y="1340767"/>
+            <a:ext cx="1368152" cy="360040"/>
+          </a:xfrm>
+          <a:prstGeom prst="rect">
+            <a:avLst/>
+          </a:prstGeom>
+          <a:solidFill>
+            <a:srgbClr val="FFFF00"/>
+          </a:solidFill>
+          <a:ln w="9525"/>
+        </p:spPr>
+        <p:style>
+          <a:lnRef idx="2">
+            <a:schemeClr val="accent1">
+              <a:shade val="50000"/>
+            </a:schemeClr>
+          </a:lnRef>
+          <a:fillRef idx="1">
+            <a:schemeClr val="accent1"/>
+          </a:fillRef>
+          <a:effectRef idx="0">
+            <a:schemeClr val="accent1"/>
+          </a:effectRef>
+          <a:fontRef idx="minor">
+            <a:schemeClr val="lt1"/>
+          </a:fontRef>
+        </p:style>
+        <p:txBody>
+          <a:bodyPr rot="0" spcFirstLastPara="0" vertOverflow="overflow" horzOverflow="overflow" vert="horz" wrap="square" lIns="91440" tIns="45720" rIns="91440" bIns="45720" numCol="1" spcCol="0" rtlCol="0" fromWordArt="0" anchor="ctr" anchorCtr="0" forceAA="0" compatLnSpc="1">
+            <a:prstTxWarp prst="textNoShape">
+              <a:avLst/>
+            </a:prstTxWarp>
+            <a:noAutofit/>
+          </a:bodyPr>
+          <a:lstStyle/>
+          <a:p>
+            <a:pPr algn="ctr"/>
+            <a:endParaRPr lang="ko-KR" altLang="en-US" sz="2000">
+              <a:solidFill>
+                <a:schemeClr val="tx1"/>
+              </a:solidFill>
+              <a:latin typeface="Consolas" pitchFamily="49" charset="0"/>
+              <a:cs typeface="Consolas" pitchFamily="49" charset="0"/>
+            </a:endParaRPr>
+          </a:p>
+        </p:txBody>
+      </p:sp>
+      <p:sp>
+        <p:nvSpPr>
+          <p:cNvPr id="28" name="직사각형 27">
+            <a:extLst>
+              <a:ext uri="{FF2B5EF4-FFF2-40B4-BE49-F238E27FC236}">
+                <a16:creationId xmlns:a16="http://schemas.microsoft.com/office/drawing/2014/main" id="{3431E321-382A-4FF6-A8B9-619FE7F09C0F}"/>
+              </a:ext>
+            </a:extLst>
+          </p:cNvPr>
+          <p:cNvSpPr/>
+          <p:nvPr/>
+        </p:nvSpPr>
+        <p:spPr>
+          <a:xfrm>
+            <a:off x="246263" y="1700807"/>
+            <a:ext cx="1368152" cy="360040"/>
+          </a:xfrm>
+          <a:prstGeom prst="rect">
+            <a:avLst/>
+          </a:prstGeom>
+          <a:solidFill>
+            <a:srgbClr val="FFFF00"/>
+          </a:solidFill>
+          <a:ln w="9525"/>
+        </p:spPr>
+        <p:style>
+          <a:lnRef idx="2">
+            <a:schemeClr val="accent1">
+              <a:shade val="50000"/>
+            </a:schemeClr>
+          </a:lnRef>
+          <a:fillRef idx="1">
+            <a:schemeClr val="accent1"/>
+          </a:fillRef>
+          <a:effectRef idx="0">
+            <a:schemeClr val="accent1"/>
+          </a:effectRef>
+          <a:fontRef idx="minor">
+            <a:schemeClr val="lt1"/>
+          </a:fontRef>
+        </p:style>
+        <p:txBody>
+          <a:bodyPr rot="0" spcFirstLastPara="0" vertOverflow="overflow" horzOverflow="overflow" vert="horz" wrap="square" lIns="91440" tIns="45720" rIns="91440" bIns="45720" numCol="1" spcCol="0" rtlCol="0" fromWordArt="0" anchor="ctr" anchorCtr="0" forceAA="0" compatLnSpc="1">
+            <a:prstTxWarp prst="textNoShape">
+              <a:avLst/>
+            </a:prstTxWarp>
+            <a:noAutofit/>
+          </a:bodyPr>
+          <a:lstStyle/>
+          <a:p>
+            <a:pPr algn="ctr"/>
+            <a:endParaRPr lang="ko-KR" altLang="en-US" sz="2000">
+              <a:solidFill>
+                <a:schemeClr val="tx1"/>
+              </a:solidFill>
+              <a:latin typeface="Consolas" pitchFamily="49" charset="0"/>
+              <a:cs typeface="Consolas" pitchFamily="49" charset="0"/>
+            </a:endParaRPr>
+          </a:p>
+        </p:txBody>
+      </p:sp>
+      <p:sp>
+        <p:nvSpPr>
+          <p:cNvPr id="29" name="TextBox 28">
+            <a:extLst>
+              <a:ext uri="{FF2B5EF4-FFF2-40B4-BE49-F238E27FC236}">
+                <a16:creationId xmlns:a16="http://schemas.microsoft.com/office/drawing/2014/main" id="{B31F7D32-4A53-48F7-AF70-DC50D1F824E4}"/>
+              </a:ext>
+            </a:extLst>
+          </p:cNvPr>
+          <p:cNvSpPr txBox="1"/>
+          <p:nvPr/>
+        </p:nvSpPr>
+        <p:spPr>
+          <a:xfrm>
+            <a:off x="1614415" y="1514639"/>
+            <a:ext cx="889987" cy="400110"/>
+          </a:xfrm>
+          <a:prstGeom prst="rect">
+            <a:avLst/>
+          </a:prstGeom>
+          <a:noFill/>
+        </p:spPr>
+        <p:txBody>
+          <a:bodyPr wrap="none" rtlCol="0">
+            <a:spAutoFit/>
+          </a:bodyPr>
+          <a:lstStyle/>
+          <a:p>
+            <a:r>
+              <a:rPr lang="en-US" altLang="ko-KR" sz="2000">
+                <a:latin typeface="Consolas" pitchFamily="49" charset="0"/>
+                <a:cs typeface="Consolas" pitchFamily="49" charset="0"/>
+              </a:rPr>
+              <a:t>list2</a:t>
+            </a:r>
+            <a:endParaRPr lang="ko-KR" altLang="en-US" sz="2000">
+              <a:latin typeface="Consolas" pitchFamily="49" charset="0"/>
+              <a:cs typeface="Consolas" pitchFamily="49" charset="0"/>
+            </a:endParaRPr>
+          </a:p>
+        </p:txBody>
+      </p:sp>
+      <p:cxnSp>
+        <p:nvCxnSpPr>
+          <p:cNvPr id="30" name="직선 화살표 연결선 29">
+            <a:extLst>
+              <a:ext uri="{FF2B5EF4-FFF2-40B4-BE49-F238E27FC236}">
+                <a16:creationId xmlns:a16="http://schemas.microsoft.com/office/drawing/2014/main" id="{3DF6875D-9378-4488-B839-460ED53C7C46}"/>
+              </a:ext>
+            </a:extLst>
+          </p:cNvPr>
+          <p:cNvCxnSpPr>
+            <a:cxnSpLocks/>
+          </p:cNvCxnSpPr>
+          <p:nvPr/>
+        </p:nvCxnSpPr>
+        <p:spPr>
+          <a:xfrm flipH="1">
+            <a:off x="1627654" y="1341501"/>
+            <a:ext cx="1008112" cy="0"/>
+          </a:xfrm>
+          <a:prstGeom prst="straightConnector1">
+            <a:avLst/>
+          </a:prstGeom>
+          <a:ln w="28575">
+            <a:solidFill>
+              <a:schemeClr val="tx1"/>
+            </a:solidFill>
+            <a:tailEnd type="triangle"/>
+          </a:ln>
+        </p:spPr>
+        <p:style>
+          <a:lnRef idx="1">
+            <a:schemeClr val="accent1"/>
+          </a:lnRef>
+          <a:fillRef idx="0">
+            <a:schemeClr val="accent1"/>
+          </a:fillRef>
+          <a:effectRef idx="0">
+            <a:schemeClr val="accent1"/>
+          </a:effectRef>
+          <a:fontRef idx="minor">
+            <a:schemeClr val="tx1"/>
+          </a:fontRef>
+        </p:style>
+      </p:cxnSp>
+      <p:sp>
+        <p:nvSpPr>
+          <p:cNvPr id="31" name="TextBox 30">
+            <a:extLst>
+              <a:ext uri="{FF2B5EF4-FFF2-40B4-BE49-F238E27FC236}">
+                <a16:creationId xmlns:a16="http://schemas.microsoft.com/office/drawing/2014/main" id="{70B09E31-4A73-4F91-AF83-146BAC914A31}"/>
+              </a:ext>
+            </a:extLst>
+          </p:cNvPr>
+          <p:cNvSpPr txBox="1"/>
+          <p:nvPr/>
+        </p:nvSpPr>
+        <p:spPr>
+          <a:xfrm>
+            <a:off x="1885074" y="1008009"/>
+            <a:ext cx="466794" cy="400110"/>
+          </a:xfrm>
+          <a:prstGeom prst="rect">
+            <a:avLst/>
+          </a:prstGeom>
+          <a:noFill/>
+        </p:spPr>
+        <p:txBody>
+          <a:bodyPr wrap="none" rtlCol="0">
+            <a:spAutoFit/>
+          </a:bodyPr>
+          <a:lstStyle/>
+          <a:p>
+            <a:r>
+              <a:rPr lang="en-US" altLang="ko-KR" sz="2000">
+                <a:latin typeface="Consolas" pitchFamily="49" charset="0"/>
+                <a:cs typeface="Consolas" pitchFamily="49" charset="0"/>
+              </a:rPr>
+              <a:t>28</a:t>
+            </a:r>
+            <a:endParaRPr lang="ko-KR" altLang="en-US" sz="2000">
+              <a:latin typeface="Consolas" pitchFamily="49" charset="0"/>
+              <a:cs typeface="Consolas" pitchFamily="49" charset="0"/>
+            </a:endParaRPr>
+          </a:p>
+        </p:txBody>
+      </p:sp>
+      <p:cxnSp>
+        <p:nvCxnSpPr>
+          <p:cNvPr id="32" name="직선 화살표 연결선 31">
+            <a:extLst>
+              <a:ext uri="{FF2B5EF4-FFF2-40B4-BE49-F238E27FC236}">
+                <a16:creationId xmlns:a16="http://schemas.microsoft.com/office/drawing/2014/main" id="{02298294-E5A3-4EBC-B331-CBA246DCA503}"/>
+              </a:ext>
+            </a:extLst>
+          </p:cNvPr>
+          <p:cNvCxnSpPr>
+            <a:cxnSpLocks/>
+          </p:cNvCxnSpPr>
+          <p:nvPr/>
+        </p:nvCxnSpPr>
+        <p:spPr>
+          <a:xfrm flipV="1">
+            <a:off x="1835696" y="276529"/>
+            <a:ext cx="0" cy="1078999"/>
+          </a:xfrm>
+          <a:prstGeom prst="straightConnector1">
+            <a:avLst/>
+          </a:prstGeom>
+          <a:ln>
+            <a:solidFill>
+              <a:srgbClr val="FF0000"/>
+            </a:solidFill>
+            <a:tailEnd type="triangle"/>
+          </a:ln>
+        </p:spPr>
+        <p:style>
+          <a:lnRef idx="1">
+            <a:schemeClr val="accent1"/>
+          </a:lnRef>
+          <a:fillRef idx="0">
+            <a:schemeClr val="accent1"/>
+          </a:fillRef>
+          <a:effectRef idx="0">
+            <a:schemeClr val="accent1"/>
+          </a:effectRef>
+          <a:fontRef idx="minor">
+            <a:schemeClr val="tx1"/>
+          </a:fontRef>
+        </p:style>
+      </p:cxnSp>
+      <p:sp>
+        <p:nvSpPr>
+          <p:cNvPr id="33" name="TextBox 32">
+            <a:extLst>
+              <a:ext uri="{FF2B5EF4-FFF2-40B4-BE49-F238E27FC236}">
+                <a16:creationId xmlns:a16="http://schemas.microsoft.com/office/drawing/2014/main" id="{A2808203-08BE-4B0A-A964-97075E5CCD45}"/>
+              </a:ext>
+            </a:extLst>
+          </p:cNvPr>
+          <p:cNvSpPr txBox="1"/>
+          <p:nvPr/>
+        </p:nvSpPr>
+        <p:spPr>
+          <a:xfrm>
+            <a:off x="3548216" y="411115"/>
+            <a:ext cx="466794" cy="400110"/>
+          </a:xfrm>
+          <a:prstGeom prst="rect">
+            <a:avLst/>
+          </a:prstGeom>
+          <a:noFill/>
+        </p:spPr>
+        <p:txBody>
+          <a:bodyPr wrap="none" rtlCol="0">
+            <a:spAutoFit/>
+          </a:bodyPr>
+          <a:lstStyle/>
+          <a:p>
+            <a:r>
+              <a:rPr lang="en-US" altLang="ko-KR" sz="2000">
+                <a:latin typeface="Consolas" pitchFamily="49" charset="0"/>
+                <a:cs typeface="Consolas" pitchFamily="49" charset="0"/>
+              </a:rPr>
+              <a:t>20</a:t>
+            </a:r>
+            <a:endParaRPr lang="ko-KR" altLang="en-US" sz="2000">
+              <a:latin typeface="Consolas" pitchFamily="49" charset="0"/>
+              <a:cs typeface="Consolas" pitchFamily="49" charset="0"/>
+            </a:endParaRPr>
+          </a:p>
+        </p:txBody>
+      </p:sp>
+    </p:spTree>
+    <p:extLst>
+      <p:ext uri="{BB962C8B-B14F-4D97-AF65-F5344CB8AC3E}">
+        <p14:creationId xmlns:p14="http://schemas.microsoft.com/office/powerpoint/2010/main" val="47869311"/>
+      </p:ext>
+    </p:extLst>
+  </p:cSld>
+  <p:clrMapOvr>
+    <a:masterClrMapping/>
+  </p:clrMapOvr>
+</p:sld>
+</file>
+
+<file path=ppt/slides/slide26.xml><?xml version="1.0" encoding="utf-8"?>
+<p:sld xmlns:a="http://schemas.openxmlformats.org/drawingml/2006/main" xmlns:r="http://schemas.openxmlformats.org/officeDocument/2006/relationships" xmlns:p="http://schemas.openxmlformats.org/presentationml/2006/main">
+  <p:cSld>
+    <p:spTree>
+      <p:nvGrpSpPr>
+        <p:cNvPr id="1" name=""/>
+        <p:cNvGrpSpPr/>
+        <p:nvPr/>
+      </p:nvGrpSpPr>
+      <p:grpSpPr>
+        <a:xfrm>
+          <a:off x="0" y="0"/>
+          <a:ext cx="0" cy="0"/>
+          <a:chOff x="0" y="0"/>
+          <a:chExt cx="0" cy="0"/>
+        </a:xfrm>
+      </p:grpSpPr>
+      <p:sp>
+        <p:nvSpPr>
+          <p:cNvPr id="2" name="TextBox 1">
+            <a:extLst>
+              <a:ext uri="{FF2B5EF4-FFF2-40B4-BE49-F238E27FC236}">
+                <a16:creationId xmlns:a16="http://schemas.microsoft.com/office/drawing/2014/main" id="{315AB9C4-DB6B-4268-8B51-CEB5C5AB1D76}"/>
+              </a:ext>
+            </a:extLst>
+          </p:cNvPr>
+          <p:cNvSpPr txBox="1"/>
+          <p:nvPr/>
+        </p:nvSpPr>
+        <p:spPr>
+          <a:xfrm>
+            <a:off x="179512" y="332656"/>
+            <a:ext cx="8930650" cy="2554545"/>
+          </a:xfrm>
+          <a:prstGeom prst="rect">
+            <a:avLst/>
+          </a:prstGeom>
+          <a:noFill/>
+        </p:spPr>
+        <p:txBody>
+          <a:bodyPr wrap="none" rtlCol="0">
+            <a:spAutoFit/>
+          </a:bodyPr>
+          <a:lstStyle/>
+          <a:p>
+            <a:r>
+              <a:rPr lang="en-US" altLang="ko-KR" sz="2000">
+                <a:latin typeface="Consolas" pitchFamily="49" charset="0"/>
+                <a:cs typeface="Consolas" pitchFamily="49" charset="0"/>
+              </a:rPr>
+              <a:t>#define offsetof(TYPE, MEMBER) ((size_t) &amp;((TYPE *)0)-&gt;MEMBER)</a:t>
+            </a:r>
+          </a:p>
+          <a:p>
+            <a:endParaRPr lang="en-US" altLang="ko-KR" sz="2000">
+              <a:latin typeface="Consolas" pitchFamily="49" charset="0"/>
+              <a:cs typeface="Consolas" pitchFamily="49" charset="0"/>
+            </a:endParaRPr>
+          </a:p>
+          <a:p>
+            <a:r>
+              <a:rPr lang="en-US" altLang="ko-KR" sz="2000">
+                <a:latin typeface="Consolas" pitchFamily="49" charset="0"/>
+                <a:cs typeface="Consolas" pitchFamily="49" charset="0"/>
+              </a:rPr>
+              <a:t>#define container_of(ptr, type, member) ({			\</a:t>
+            </a:r>
+          </a:p>
+          <a:p>
+            <a:r>
+              <a:rPr lang="en-US" altLang="ko-KR" sz="2000">
+                <a:latin typeface="Consolas" pitchFamily="49" charset="0"/>
+                <a:cs typeface="Consolas" pitchFamily="49" charset="0"/>
+              </a:rPr>
+              <a:t>	const typeof( ((type *)0)-&gt;member ) *__mptr = (ptr);	\</a:t>
+            </a:r>
+          </a:p>
+          <a:p>
+            <a:r>
+              <a:rPr lang="en-US" altLang="ko-KR" sz="2000">
+                <a:latin typeface="Consolas" pitchFamily="49" charset="0"/>
+                <a:cs typeface="Consolas" pitchFamily="49" charset="0"/>
+              </a:rPr>
+              <a:t>	(type *)( (char *)__mptr - offsetof(type,member) );})</a:t>
+            </a:r>
+          </a:p>
+          <a:p>
+            <a:endParaRPr lang="en-US" altLang="ko-KR" sz="2000">
+              <a:latin typeface="Consolas" pitchFamily="49" charset="0"/>
+              <a:cs typeface="Consolas" pitchFamily="49" charset="0"/>
+            </a:endParaRPr>
+          </a:p>
+          <a:p>
+            <a:r>
+              <a:rPr lang="en-US" altLang="ko-KR" sz="2000">
+                <a:latin typeface="Consolas" pitchFamily="49" charset="0"/>
+                <a:cs typeface="Consolas" pitchFamily="49" charset="0"/>
+              </a:rPr>
+              <a:t>#define list_entry(ptr, type, member) \</a:t>
+            </a:r>
+          </a:p>
+          <a:p>
+            <a:r>
+              <a:rPr lang="en-US" altLang="ko-KR" sz="2000">
+                <a:latin typeface="Consolas" pitchFamily="49" charset="0"/>
+                <a:cs typeface="Consolas" pitchFamily="49" charset="0"/>
+              </a:rPr>
+              <a:t>	container_of(ptr, type, member)</a:t>
+            </a:r>
+            <a:endParaRPr lang="ko-KR" altLang="en-US" sz="2000">
+              <a:latin typeface="Consolas" pitchFamily="49" charset="0"/>
+              <a:cs typeface="Consolas" pitchFamily="49" charset="0"/>
+            </a:endParaRPr>
+          </a:p>
+        </p:txBody>
+      </p:sp>
+    </p:spTree>
+    <p:extLst>
+      <p:ext uri="{BB962C8B-B14F-4D97-AF65-F5344CB8AC3E}">
+        <p14:creationId xmlns:p14="http://schemas.microsoft.com/office/powerpoint/2010/main" val="1334406557"/>
+      </p:ext>
+    </p:extLst>
+  </p:cSld>
+  <p:clrMapOvr>
+    <a:masterClrMapping/>
+  </p:clrMapOvr>
+</p:sld>
+</file>
+
+<file path=ppt/slides/slide27.xml><?xml version="1.0" encoding="utf-8"?>
+<p:sld xmlns:a="http://schemas.openxmlformats.org/drawingml/2006/main" xmlns:r="http://schemas.openxmlformats.org/officeDocument/2006/relationships" xmlns:p="http://schemas.openxmlformats.org/presentationml/2006/main">
+  <p:cSld>
+    <p:spTree>
+      <p:nvGrpSpPr>
+        <p:cNvPr id="1" name=""/>
+        <p:cNvGrpSpPr/>
+        <p:nvPr/>
+      </p:nvGrpSpPr>
+      <p:grpSpPr>
+        <a:xfrm>
+          <a:off x="0" y="0"/>
+          <a:ext cx="0" cy="0"/>
+          <a:chOff x="0" y="0"/>
+          <a:chExt cx="0" cy="0"/>
+        </a:xfrm>
+      </p:grpSpPr>
+      <p:sp>
+        <p:nvSpPr>
+          <p:cNvPr id="2" name="TextBox 1">
+            <a:extLst>
+              <a:ext uri="{FF2B5EF4-FFF2-40B4-BE49-F238E27FC236}">
+                <a16:creationId xmlns:a16="http://schemas.microsoft.com/office/drawing/2014/main" id="{315AB9C4-DB6B-4268-8B51-CEB5C5AB1D76}"/>
+              </a:ext>
+            </a:extLst>
+          </p:cNvPr>
+          <p:cNvSpPr txBox="1"/>
+          <p:nvPr/>
+        </p:nvSpPr>
+        <p:spPr>
+          <a:xfrm>
+            <a:off x="107504" y="44624"/>
+            <a:ext cx="4416594" cy="2862322"/>
+          </a:xfrm>
+          <a:prstGeom prst="rect">
+            <a:avLst/>
+          </a:prstGeom>
+          <a:noFill/>
+        </p:spPr>
+        <p:txBody>
+          <a:bodyPr wrap="none" rtlCol="0">
+            <a:spAutoFit/>
+          </a:bodyPr>
+          <a:lstStyle/>
+          <a:p>
+            <a:r>
+              <a:rPr lang="en-US" altLang="ko-KR" sz="2000">
+                <a:latin typeface="Consolas" pitchFamily="49" charset="0"/>
+                <a:cs typeface="Consolas" pitchFamily="49" charset="0"/>
+              </a:rPr>
+              <a:t>struct task_struct</a:t>
+            </a:r>
+          </a:p>
+          <a:p>
+            <a:r>
+              <a:rPr lang="en-US" altLang="ko-KR" sz="2000">
+                <a:latin typeface="Consolas" pitchFamily="49" charset="0"/>
+                <a:cs typeface="Consolas" pitchFamily="49" charset="0"/>
+              </a:rPr>
+              <a:t>{</a:t>
+            </a:r>
+          </a:p>
+          <a:p>
+            <a:r>
+              <a:rPr lang="en-US" altLang="ko-KR" sz="2000">
+                <a:latin typeface="Consolas" pitchFamily="49" charset="0"/>
+                <a:cs typeface="Consolas" pitchFamily="49" charset="0"/>
+              </a:rPr>
+              <a:t>    int state;</a:t>
+            </a:r>
+          </a:p>
+          <a:p>
+            <a:r>
+              <a:rPr lang="en-US" altLang="ko-KR" sz="2000">
+                <a:latin typeface="Consolas" pitchFamily="49" charset="0"/>
+                <a:cs typeface="Consolas" pitchFamily="49" charset="0"/>
+              </a:rPr>
+              <a:t>    int pid;</a:t>
+            </a:r>
+          </a:p>
+          <a:p>
+            <a:r>
+              <a:rPr lang="en-US" altLang="ko-KR" sz="2000">
+                <a:latin typeface="Consolas" pitchFamily="49" charset="0"/>
+                <a:cs typeface="Consolas" pitchFamily="49" charset="0"/>
+              </a:rPr>
+              <a:t>    struct list_head tasks;</a:t>
+            </a:r>
+          </a:p>
+          <a:p>
+            <a:r>
+              <a:rPr lang="en-US" altLang="ko-KR" sz="2000">
+                <a:latin typeface="Consolas" pitchFamily="49" charset="0"/>
+                <a:cs typeface="Consolas" pitchFamily="49" charset="0"/>
+              </a:rPr>
+              <a:t>    ...</a:t>
+            </a:r>
+          </a:p>
+          <a:p>
+            <a:r>
+              <a:rPr lang="en-US" altLang="ko-KR" sz="2000">
+                <a:latin typeface="Consolas" pitchFamily="49" charset="0"/>
+                <a:cs typeface="Consolas" pitchFamily="49" charset="0"/>
+              </a:rPr>
+              <a:t>    struct list_head children;</a:t>
+            </a:r>
+          </a:p>
+          <a:p>
+            <a:r>
+              <a:rPr lang="en-US" altLang="ko-KR" sz="2000">
+                <a:latin typeface="Consolas" pitchFamily="49" charset="0"/>
+                <a:cs typeface="Consolas" pitchFamily="49" charset="0"/>
+              </a:rPr>
+              <a:t>    struct list_head sibling;</a:t>
+            </a:r>
+          </a:p>
+          <a:p>
+            <a:r>
+              <a:rPr lang="en-US" altLang="ko-KR" sz="2000">
+                <a:latin typeface="Consolas" pitchFamily="49" charset="0"/>
+                <a:cs typeface="Consolas" pitchFamily="49" charset="0"/>
+              </a:rPr>
+              <a:t>};</a:t>
+            </a:r>
+            <a:endParaRPr lang="ko-KR" altLang="en-US" sz="2000">
+              <a:latin typeface="Consolas" pitchFamily="49" charset="0"/>
+              <a:cs typeface="Consolas" pitchFamily="49" charset="0"/>
+            </a:endParaRPr>
+          </a:p>
+        </p:txBody>
+      </p:sp>
+      <p:sp>
+        <p:nvSpPr>
+          <p:cNvPr id="6" name="TextBox 5">
+            <a:extLst>
+              <a:ext uri="{FF2B5EF4-FFF2-40B4-BE49-F238E27FC236}">
+                <a16:creationId xmlns:a16="http://schemas.microsoft.com/office/drawing/2014/main" id="{D26757E1-6512-4164-946C-89250218970D}"/>
+              </a:ext>
+            </a:extLst>
+          </p:cNvPr>
+          <p:cNvSpPr txBox="1"/>
+          <p:nvPr/>
+        </p:nvSpPr>
+        <p:spPr>
+          <a:xfrm>
+            <a:off x="4644008" y="116632"/>
+            <a:ext cx="5288627" cy="2554545"/>
+          </a:xfrm>
+          <a:prstGeom prst="rect">
+            <a:avLst/>
+          </a:prstGeom>
+          <a:noFill/>
+        </p:spPr>
+        <p:txBody>
+          <a:bodyPr wrap="none" rtlCol="0">
+            <a:spAutoFit/>
+          </a:bodyPr>
+          <a:lstStyle/>
+          <a:p>
+            <a:r>
+              <a:rPr lang="en-US" altLang="ko-KR" sz="2000">
+                <a:latin typeface="Consolas" pitchFamily="49" charset="0"/>
+                <a:cs typeface="Consolas" pitchFamily="49" charset="0"/>
+              </a:rPr>
+              <a:t>struct inode</a:t>
+            </a:r>
+          </a:p>
+          <a:p>
+            <a:r>
+              <a:rPr lang="en-US" altLang="ko-KR" sz="2000">
+                <a:latin typeface="Consolas" pitchFamily="49" charset="0"/>
+                <a:cs typeface="Consolas" pitchFamily="49" charset="0"/>
+              </a:rPr>
+              <a:t>{</a:t>
+            </a:r>
+          </a:p>
+          <a:p>
+            <a:r>
+              <a:rPr lang="en-US" altLang="ko-KR" sz="2000">
+                <a:latin typeface="Consolas" pitchFamily="49" charset="0"/>
+                <a:cs typeface="Consolas" pitchFamily="49" charset="0"/>
+              </a:rPr>
+              <a:t>    int ino;</a:t>
+            </a:r>
+          </a:p>
+          <a:p>
+            <a:r>
+              <a:rPr lang="en-US" altLang="ko-KR" sz="2000">
+                <a:latin typeface="Consolas" pitchFamily="49" charset="0"/>
+                <a:cs typeface="Consolas" pitchFamily="49" charset="0"/>
+              </a:rPr>
+              <a:t>    int uid, gid;</a:t>
+            </a:r>
+          </a:p>
+          <a:p>
+            <a:r>
+              <a:rPr lang="en-US" altLang="ko-KR" sz="2000">
+                <a:latin typeface="Consolas" pitchFamily="49" charset="0"/>
+                <a:cs typeface="Consolas" pitchFamily="49" charset="0"/>
+              </a:rPr>
+              <a:t>    struct list_head i_wb_list;    </a:t>
+            </a:r>
+          </a:p>
+          <a:p>
+            <a:r>
+              <a:rPr lang="en-US" altLang="ko-KR" sz="2000">
+                <a:latin typeface="Consolas" pitchFamily="49" charset="0"/>
+                <a:cs typeface="Consolas" pitchFamily="49" charset="0"/>
+              </a:rPr>
+              <a:t>    struct list_head i_lru;    </a:t>
+            </a:r>
+          </a:p>
+          <a:p>
+            <a:r>
+              <a:rPr lang="en-US" altLang="ko-KR" sz="2000">
+                <a:latin typeface="Consolas" pitchFamily="49" charset="0"/>
+                <a:cs typeface="Consolas" pitchFamily="49" charset="0"/>
+              </a:rPr>
+              <a:t>    struct list_head i_sb_list;</a:t>
+            </a:r>
+          </a:p>
+          <a:p>
+            <a:r>
+              <a:rPr lang="en-US" altLang="ko-KR" sz="2000">
+                <a:latin typeface="Consolas" pitchFamily="49" charset="0"/>
+                <a:cs typeface="Consolas" pitchFamily="49" charset="0"/>
+              </a:rPr>
+              <a:t>};</a:t>
+            </a:r>
+            <a:endParaRPr lang="ko-KR" altLang="en-US" sz="2000">
+              <a:latin typeface="Consolas" pitchFamily="49" charset="0"/>
+              <a:cs typeface="Consolas" pitchFamily="49" charset="0"/>
+            </a:endParaRPr>
+          </a:p>
+        </p:txBody>
+      </p:sp>
+    </p:spTree>
+    <p:extLst>
+      <p:ext uri="{BB962C8B-B14F-4D97-AF65-F5344CB8AC3E}">
+        <p14:creationId xmlns:p14="http://schemas.microsoft.com/office/powerpoint/2010/main" val="3016175594"/>
       </p:ext>
     </p:extLst>
   </p:cSld>
